--- a/박기수의 자기소개 프레젠테이션.pptx
+++ b/박기수의 자기소개 프레젠테이션.pptx
@@ -24,6 +24,9 @@
     <p:sldId id="272" r:id="rId18"/>
     <p:sldId id="273" r:id="rId19"/>
     <p:sldId id="274" r:id="rId20"/>
+    <p:sldId id="275" r:id="rId21"/>
+    <p:sldId id="276" r:id="rId22"/>
+    <p:sldId id="277" r:id="rId23"/>
   </p:sldIdLst>
   <p:sldSz cx="12192000" cy="6858000"/>
   <p:notesSz cx="6858000" cy="9144000"/>
@@ -261,7 +264,7 @@
           <a:p>
             <a:fld id="{40BB3293-E2F8-497A-A000-E39B011321D4}" type="datetimeFigureOut">
               <a:rPr lang="ko-KR" altLang="en-US" smtClean="0"/>
-              <a:t>2024-04-01</a:t>
+              <a:t>2024-04-02</a:t>
             </a:fld>
             <a:endParaRPr lang="ko-KR" altLang="en-US"/>
           </a:p>
@@ -431,7 +434,7 @@
           <a:p>
             <a:fld id="{40BB3293-E2F8-497A-A000-E39B011321D4}" type="datetimeFigureOut">
               <a:rPr lang="ko-KR" altLang="en-US" smtClean="0"/>
-              <a:t>2024-04-01</a:t>
+              <a:t>2024-04-02</a:t>
             </a:fld>
             <a:endParaRPr lang="ko-KR" altLang="en-US"/>
           </a:p>
@@ -611,7 +614,7 @@
           <a:p>
             <a:fld id="{40BB3293-E2F8-497A-A000-E39B011321D4}" type="datetimeFigureOut">
               <a:rPr lang="ko-KR" altLang="en-US" smtClean="0"/>
-              <a:t>2024-04-01</a:t>
+              <a:t>2024-04-02</a:t>
             </a:fld>
             <a:endParaRPr lang="ko-KR" altLang="en-US"/>
           </a:p>
@@ -781,7 +784,7 @@
           <a:p>
             <a:fld id="{40BB3293-E2F8-497A-A000-E39B011321D4}" type="datetimeFigureOut">
               <a:rPr lang="ko-KR" altLang="en-US" smtClean="0"/>
-              <a:t>2024-04-01</a:t>
+              <a:t>2024-04-02</a:t>
             </a:fld>
             <a:endParaRPr lang="ko-KR" altLang="en-US"/>
           </a:p>
@@ -1027,7 +1030,7 @@
           <a:p>
             <a:fld id="{40BB3293-E2F8-497A-A000-E39B011321D4}" type="datetimeFigureOut">
               <a:rPr lang="ko-KR" altLang="en-US" smtClean="0"/>
-              <a:t>2024-04-01</a:t>
+              <a:t>2024-04-02</a:t>
             </a:fld>
             <a:endParaRPr lang="ko-KR" altLang="en-US"/>
           </a:p>
@@ -1259,7 +1262,7 @@
           <a:p>
             <a:fld id="{40BB3293-E2F8-497A-A000-E39B011321D4}" type="datetimeFigureOut">
               <a:rPr lang="ko-KR" altLang="en-US" smtClean="0"/>
-              <a:t>2024-04-01</a:t>
+              <a:t>2024-04-02</a:t>
             </a:fld>
             <a:endParaRPr lang="ko-KR" altLang="en-US"/>
           </a:p>
@@ -1626,7 +1629,7 @@
           <a:p>
             <a:fld id="{40BB3293-E2F8-497A-A000-E39B011321D4}" type="datetimeFigureOut">
               <a:rPr lang="ko-KR" altLang="en-US" smtClean="0"/>
-              <a:t>2024-04-01</a:t>
+              <a:t>2024-04-02</a:t>
             </a:fld>
             <a:endParaRPr lang="ko-KR" altLang="en-US"/>
           </a:p>
@@ -1744,7 +1747,7 @@
           <a:p>
             <a:fld id="{40BB3293-E2F8-497A-A000-E39B011321D4}" type="datetimeFigureOut">
               <a:rPr lang="ko-KR" altLang="en-US" smtClean="0"/>
-              <a:t>2024-04-01</a:t>
+              <a:t>2024-04-02</a:t>
             </a:fld>
             <a:endParaRPr lang="ko-KR" altLang="en-US"/>
           </a:p>
@@ -1839,7 +1842,7 @@
           <a:p>
             <a:fld id="{40BB3293-E2F8-497A-A000-E39B011321D4}" type="datetimeFigureOut">
               <a:rPr lang="ko-KR" altLang="en-US" smtClean="0"/>
-              <a:t>2024-04-01</a:t>
+              <a:t>2024-04-02</a:t>
             </a:fld>
             <a:endParaRPr lang="ko-KR" altLang="en-US"/>
           </a:p>
@@ -2116,7 +2119,7 @@
           <a:p>
             <a:fld id="{40BB3293-E2F8-497A-A000-E39B011321D4}" type="datetimeFigureOut">
               <a:rPr lang="ko-KR" altLang="en-US" smtClean="0"/>
-              <a:t>2024-04-01</a:t>
+              <a:t>2024-04-02</a:t>
             </a:fld>
             <a:endParaRPr lang="ko-KR" altLang="en-US"/>
           </a:p>
@@ -2369,7 +2372,7 @@
           <a:p>
             <a:fld id="{40BB3293-E2F8-497A-A000-E39B011321D4}" type="datetimeFigureOut">
               <a:rPr lang="ko-KR" altLang="en-US" smtClean="0"/>
-              <a:t>2024-04-01</a:t>
+              <a:t>2024-04-02</a:t>
             </a:fld>
             <a:endParaRPr lang="ko-KR" altLang="en-US"/>
           </a:p>
@@ -2582,7 +2585,7 @@
           <a:p>
             <a:fld id="{40BB3293-E2F8-497A-A000-E39B011321D4}" type="datetimeFigureOut">
               <a:rPr lang="ko-KR" altLang="en-US" smtClean="0"/>
-              <a:t>2024-04-01</a:t>
+              <a:t>2024-04-02</a:t>
             </a:fld>
             <a:endParaRPr lang="ko-KR" altLang="en-US"/>
           </a:p>
@@ -3216,7 +3219,7 @@
         </p:blipFill>
         <p:spPr>
           <a:xfrm>
-            <a:off x="3581400" y="1690688"/>
+            <a:off x="3573088" y="1931757"/>
             <a:ext cx="4538749" cy="4538749"/>
           </a:xfrm>
           <a:prstGeom prst="rect">
@@ -3992,25 +3995,36 @@
           <a:chExt cx="0" cy="0"/>
         </a:xfrm>
       </p:grpSpPr>
-      <p:sp>
-        <p:nvSpPr>
-          <p:cNvPr id="2" name="제목 1"/>
-          <p:cNvSpPr>
-            <a:spLocks noGrp="1"/>
-          </p:cNvSpPr>
-          <p:nvPr>
-            <p:ph type="title"/>
-          </p:nvPr>
-        </p:nvSpPr>
-        <p:spPr/>
-        <p:txBody>
-          <a:bodyPr/>
-          <a:lstStyle/>
-          <a:p>
-            <a:endParaRPr lang="ko-KR" altLang="en-US" dirty="0"/>
-          </a:p>
-        </p:txBody>
-      </p:sp>
+      <p:pic>
+        <p:nvPicPr>
+          <p:cNvPr id="3" name="그림 2"/>
+          <p:cNvPicPr>
+            <a:picLocks noChangeAspect="1"/>
+          </p:cNvPicPr>
+          <p:nvPr/>
+        </p:nvPicPr>
+        <p:blipFill>
+          <a:blip r:embed="rId2" cstate="print">
+            <a:extLst>
+              <a:ext uri="{28A0092B-C50C-407E-A947-70E740481C1C}">
+                <a14:useLocalDpi xmlns:a14="http://schemas.microsoft.com/office/drawing/2010/main" val="0"/>
+              </a:ext>
+            </a:extLst>
+          </a:blip>
+          <a:stretch>
+            <a:fillRect/>
+          </a:stretch>
+        </p:blipFill>
+        <p:spPr>
+          <a:xfrm>
+            <a:off x="2352431" y="190135"/>
+            <a:ext cx="6667865" cy="6667865"/>
+          </a:xfrm>
+          <a:prstGeom prst="rect">
+            <a:avLst/>
+          </a:prstGeom>
+        </p:spPr>
+      </p:pic>
     </p:spTree>
     <p:extLst>
       <p:ext uri="{BB962C8B-B14F-4D97-AF65-F5344CB8AC3E}">
@@ -4024,7 +4038,136 @@
   <p:timing>
     <p:tnLst>
       <p:par>
-        <p:cTn id="1" dur="indefinite" restart="never" nodeType="tmRoot"/>
+        <p:cTn id="1" dur="indefinite" restart="never" nodeType="tmRoot">
+          <p:childTnLst>
+            <p:seq concurrent="1" nextAc="seek">
+              <p:cTn id="2" dur="indefinite" nodeType="mainSeq">
+                <p:childTnLst>
+                  <p:par>
+                    <p:cTn id="3" fill="hold">
+                      <p:stCondLst>
+                        <p:cond delay="indefinite"/>
+                      </p:stCondLst>
+                      <p:childTnLst>
+                        <p:par>
+                          <p:cTn id="4" fill="hold">
+                            <p:stCondLst>
+                              <p:cond delay="0"/>
+                            </p:stCondLst>
+                            <p:childTnLst>
+                              <p:par>
+                                <p:cTn id="5" presetID="10" presetClass="entr" presetSubtype="0" fill="hold" nodeType="clickEffect">
+                                  <p:stCondLst>
+                                    <p:cond delay="0"/>
+                                  </p:stCondLst>
+                                  <p:childTnLst>
+                                    <p:set>
+                                      <p:cBhvr>
+                                        <p:cTn id="6" dur="1" fill="hold">
+                                          <p:stCondLst>
+                                            <p:cond delay="0"/>
+                                          </p:stCondLst>
+                                        </p:cTn>
+                                        <p:tgtEl>
+                                          <p:spTgt spid="3"/>
+                                        </p:tgtEl>
+                                        <p:attrNameLst>
+                                          <p:attrName>style.visibility</p:attrName>
+                                        </p:attrNameLst>
+                                      </p:cBhvr>
+                                      <p:to>
+                                        <p:strVal val="visible"/>
+                                      </p:to>
+                                    </p:set>
+                                    <p:animEffect transition="in" filter="fade">
+                                      <p:cBhvr>
+                                        <p:cTn id="7" dur="500"/>
+                                        <p:tgtEl>
+                                          <p:spTgt spid="3"/>
+                                        </p:tgtEl>
+                                      </p:cBhvr>
+                                    </p:animEffect>
+                                  </p:childTnLst>
+                                </p:cTn>
+                              </p:par>
+                            </p:childTnLst>
+                          </p:cTn>
+                        </p:par>
+                      </p:childTnLst>
+                    </p:cTn>
+                  </p:par>
+                  <p:par>
+                    <p:cTn id="8" fill="hold">
+                      <p:stCondLst>
+                        <p:cond delay="indefinite"/>
+                      </p:stCondLst>
+                      <p:childTnLst>
+                        <p:par>
+                          <p:cTn id="9" fill="hold">
+                            <p:stCondLst>
+                              <p:cond delay="0"/>
+                            </p:stCondLst>
+                            <p:childTnLst>
+                              <p:par>
+                                <p:cTn id="10" presetID="10" presetClass="exit" presetSubtype="0" fill="hold" nodeType="clickEffect">
+                                  <p:stCondLst>
+                                    <p:cond delay="0"/>
+                                  </p:stCondLst>
+                                  <p:childTnLst>
+                                    <p:animEffect transition="out" filter="fade">
+                                      <p:cBhvr>
+                                        <p:cTn id="11" dur="500"/>
+                                        <p:tgtEl>
+                                          <p:spTgt spid="3"/>
+                                        </p:tgtEl>
+                                      </p:cBhvr>
+                                    </p:animEffect>
+                                    <p:set>
+                                      <p:cBhvr>
+                                        <p:cTn id="12" dur="1" fill="hold">
+                                          <p:stCondLst>
+                                            <p:cond delay="499"/>
+                                          </p:stCondLst>
+                                        </p:cTn>
+                                        <p:tgtEl>
+                                          <p:spTgt spid="3"/>
+                                        </p:tgtEl>
+                                        <p:attrNameLst>
+                                          <p:attrName>style.visibility</p:attrName>
+                                        </p:attrNameLst>
+                                      </p:cBhvr>
+                                      <p:to>
+                                        <p:strVal val="hidden"/>
+                                      </p:to>
+                                    </p:set>
+                                  </p:childTnLst>
+                                </p:cTn>
+                              </p:par>
+                            </p:childTnLst>
+                          </p:cTn>
+                        </p:par>
+                      </p:childTnLst>
+                    </p:cTn>
+                  </p:par>
+                </p:childTnLst>
+              </p:cTn>
+              <p:prevCondLst>
+                <p:cond evt="onPrev" delay="0">
+                  <p:tgtEl>
+                    <p:sldTgt/>
+                  </p:tgtEl>
+                </p:cond>
+              </p:prevCondLst>
+              <p:nextCondLst>
+                <p:cond evt="onNext" delay="0">
+                  <p:tgtEl>
+                    <p:sldTgt/>
+                  </p:tgtEl>
+                </p:cond>
+              </p:nextCondLst>
+            </p:seq>
+          </p:childTnLst>
+        </p:cTn>
       </p:par>
     </p:tnLst>
   </p:timing>
@@ -4058,31 +4201,259 @@
             <p:ph type="title"/>
           </p:nvPr>
         </p:nvSpPr>
-        <p:spPr/>
-        <p:txBody>
-          <a:bodyPr/>
-          <a:lstStyle/>
-          <a:p>
-            <a:endParaRPr lang="ko-KR" altLang="en-US"/>
-          </a:p>
-        </p:txBody>
-      </p:sp>
-      <p:sp>
-        <p:nvSpPr>
-          <p:cNvPr id="3" name="내용 개체 틀 2"/>
-          <p:cNvSpPr>
-            <a:spLocks noGrp="1"/>
-          </p:cNvSpPr>
-          <p:nvPr>
-            <p:ph idx="1"/>
-          </p:nvPr>
-        </p:nvSpPr>
-        <p:spPr/>
-        <p:txBody>
-          <a:bodyPr/>
-          <a:lstStyle/>
-          <a:p>
-            <a:endParaRPr lang="ko-KR" altLang="en-US"/>
+        <p:spPr>
+          <a:xfrm>
+            <a:off x="1920892" y="326786"/>
+            <a:ext cx="8137849" cy="1202417"/>
+          </a:xfrm>
+          <a:solidFill>
+            <a:schemeClr val="bg1"/>
+          </a:solidFill>
+          <a:ln>
+            <a:solidFill>
+              <a:schemeClr val="tx1"/>
+            </a:solidFill>
+          </a:ln>
+        </p:spPr>
+        <p:txBody>
+          <a:bodyPr/>
+          <a:lstStyle/>
+          <a:p>
+            <a:pPr algn="ctr"/>
+            <a:r>
+              <a:rPr lang="ko-KR" altLang="en-US" dirty="0" smtClean="0"/>
+              <a:t>내가 가장 많이 보는 콘텐츠</a:t>
+            </a:r>
+            <a:endParaRPr lang="ko-KR" altLang="en-US" dirty="0"/>
+          </a:p>
+        </p:txBody>
+      </p:sp>
+      <p:pic>
+        <p:nvPicPr>
+          <p:cNvPr id="4" name="그림 3"/>
+          <p:cNvPicPr>
+            <a:picLocks noChangeAspect="1"/>
+          </p:cNvPicPr>
+          <p:nvPr/>
+        </p:nvPicPr>
+        <p:blipFill>
+          <a:blip r:embed="rId2"/>
+          <a:stretch>
+            <a:fillRect/>
+          </a:stretch>
+        </p:blipFill>
+        <p:spPr>
+          <a:xfrm>
+            <a:off x="2659935" y="1664383"/>
+            <a:ext cx="1136222" cy="2076345"/>
+          </a:xfrm>
+          <a:prstGeom prst="rect">
+            <a:avLst/>
+          </a:prstGeom>
+        </p:spPr>
+      </p:pic>
+      <p:pic>
+        <p:nvPicPr>
+          <p:cNvPr id="5" name="그림 4"/>
+          <p:cNvPicPr>
+            <a:picLocks noChangeAspect="1"/>
+          </p:cNvPicPr>
+          <p:nvPr/>
+        </p:nvPicPr>
+        <p:blipFill>
+          <a:blip r:embed="rId3"/>
+          <a:stretch>
+            <a:fillRect/>
+          </a:stretch>
+        </p:blipFill>
+        <p:spPr>
+          <a:xfrm>
+            <a:off x="3881047" y="1664383"/>
+            <a:ext cx="1148370" cy="2076345"/>
+          </a:xfrm>
+          <a:prstGeom prst="rect">
+            <a:avLst/>
+          </a:prstGeom>
+        </p:spPr>
+      </p:pic>
+      <p:pic>
+        <p:nvPicPr>
+          <p:cNvPr id="6" name="그림 5"/>
+          <p:cNvPicPr>
+            <a:picLocks noChangeAspect="1"/>
+          </p:cNvPicPr>
+          <p:nvPr/>
+        </p:nvPicPr>
+        <p:blipFill>
+          <a:blip r:embed="rId4"/>
+          <a:stretch>
+            <a:fillRect/>
+          </a:stretch>
+        </p:blipFill>
+        <p:spPr>
+          <a:xfrm>
+            <a:off x="1249735" y="1664383"/>
+            <a:ext cx="1119393" cy="1207435"/>
+          </a:xfrm>
+          <a:prstGeom prst="rect">
+            <a:avLst/>
+          </a:prstGeom>
+        </p:spPr>
+      </p:pic>
+      <p:sp>
+        <p:nvSpPr>
+          <p:cNvPr id="7" name="TextBox 6"/>
+          <p:cNvSpPr txBox="1"/>
+          <p:nvPr/>
+        </p:nvSpPr>
+        <p:spPr>
+          <a:xfrm>
+            <a:off x="1406264" y="2868498"/>
+            <a:ext cx="806334" cy="276999"/>
+          </a:xfrm>
+          <a:prstGeom prst="rect">
+            <a:avLst/>
+          </a:prstGeom>
+          <a:noFill/>
+        </p:spPr>
+        <p:txBody>
+          <a:bodyPr wrap="square" rtlCol="0">
+            <a:spAutoFit/>
+          </a:bodyPr>
+          <a:lstStyle/>
+          <a:p>
+            <a:r>
+              <a:rPr lang="ko-KR" altLang="en-US" sz="1200" dirty="0" err="1" smtClean="0"/>
+              <a:t>잼스기타</a:t>
+            </a:r>
+            <a:endParaRPr lang="ko-KR" altLang="en-US" sz="1200" dirty="0"/>
+          </a:p>
+        </p:txBody>
+      </p:sp>
+      <p:pic>
+        <p:nvPicPr>
+          <p:cNvPr id="8" name="그림 7"/>
+          <p:cNvPicPr>
+            <a:picLocks noChangeAspect="1"/>
+          </p:cNvPicPr>
+          <p:nvPr/>
+        </p:nvPicPr>
+        <p:blipFill>
+          <a:blip r:embed="rId5"/>
+          <a:stretch>
+            <a:fillRect/>
+          </a:stretch>
+        </p:blipFill>
+        <p:spPr>
+          <a:xfrm>
+            <a:off x="5114307" y="1664383"/>
+            <a:ext cx="1220541" cy="2076177"/>
+          </a:xfrm>
+          <a:prstGeom prst="rect">
+            <a:avLst/>
+          </a:prstGeom>
+        </p:spPr>
+      </p:pic>
+      <p:pic>
+        <p:nvPicPr>
+          <p:cNvPr id="9" name="그림 8"/>
+          <p:cNvPicPr>
+            <a:picLocks noChangeAspect="1"/>
+          </p:cNvPicPr>
+          <p:nvPr/>
+        </p:nvPicPr>
+        <p:blipFill>
+          <a:blip r:embed="rId6"/>
+          <a:stretch>
+            <a:fillRect/>
+          </a:stretch>
+        </p:blipFill>
+        <p:spPr>
+          <a:xfrm>
+            <a:off x="1250599" y="4349612"/>
+            <a:ext cx="1118529" cy="1148556"/>
+          </a:xfrm>
+          <a:prstGeom prst="rect">
+            <a:avLst/>
+          </a:prstGeom>
+        </p:spPr>
+      </p:pic>
+      <p:pic>
+        <p:nvPicPr>
+          <p:cNvPr id="10" name="그림 9"/>
+          <p:cNvPicPr>
+            <a:picLocks noChangeAspect="1"/>
+          </p:cNvPicPr>
+          <p:nvPr/>
+        </p:nvPicPr>
+        <p:blipFill>
+          <a:blip r:embed="rId7"/>
+          <a:stretch>
+            <a:fillRect/>
+          </a:stretch>
+        </p:blipFill>
+        <p:spPr>
+          <a:xfrm>
+            <a:off x="3065723" y="4088398"/>
+            <a:ext cx="1136222" cy="2056853"/>
+          </a:xfrm>
+          <a:prstGeom prst="rect">
+            <a:avLst/>
+          </a:prstGeom>
+        </p:spPr>
+      </p:pic>
+      <p:pic>
+        <p:nvPicPr>
+          <p:cNvPr id="11" name="그림 10"/>
+          <p:cNvPicPr>
+            <a:picLocks noChangeAspect="1"/>
+          </p:cNvPicPr>
+          <p:nvPr/>
+        </p:nvPicPr>
+        <p:blipFill>
+          <a:blip r:embed="rId8"/>
+          <a:stretch>
+            <a:fillRect/>
+          </a:stretch>
+        </p:blipFill>
+        <p:spPr>
+          <a:xfrm>
+            <a:off x="4633302" y="4088398"/>
+            <a:ext cx="1091275" cy="2056853"/>
+          </a:xfrm>
+          <a:prstGeom prst="rect">
+            <a:avLst/>
+          </a:prstGeom>
+        </p:spPr>
+      </p:pic>
+      <p:sp>
+        <p:nvSpPr>
+          <p:cNvPr id="12" name="TextBox 11"/>
+          <p:cNvSpPr txBox="1"/>
+          <p:nvPr/>
+        </p:nvSpPr>
+        <p:spPr>
+          <a:xfrm>
+            <a:off x="1406264" y="5498168"/>
+            <a:ext cx="806334" cy="276999"/>
+          </a:xfrm>
+          <a:prstGeom prst="rect">
+            <a:avLst/>
+          </a:prstGeom>
+          <a:noFill/>
+        </p:spPr>
+        <p:txBody>
+          <a:bodyPr wrap="square" rtlCol="0">
+            <a:spAutoFit/>
+          </a:bodyPr>
+          <a:lstStyle/>
+          <a:p>
+            <a:pPr algn="ctr"/>
+            <a:r>
+              <a:rPr lang="ko-KR" altLang="en-US" sz="1200" dirty="0" smtClean="0"/>
+              <a:t>정성하</a:t>
+            </a:r>
+            <a:endParaRPr lang="ko-KR" altLang="en-US" sz="1200" dirty="0"/>
           </a:p>
         </p:txBody>
       </p:sp>
@@ -4133,31 +4504,164 @@
             <p:ph type="title"/>
           </p:nvPr>
         </p:nvSpPr>
-        <p:spPr/>
-        <p:txBody>
-          <a:bodyPr/>
-          <a:lstStyle/>
-          <a:p>
-            <a:endParaRPr lang="ko-KR" altLang="en-US"/>
-          </a:p>
-        </p:txBody>
-      </p:sp>
-      <p:sp>
-        <p:nvSpPr>
-          <p:cNvPr id="3" name="내용 개체 틀 2"/>
-          <p:cNvSpPr>
-            <a:spLocks noGrp="1"/>
-          </p:cNvSpPr>
-          <p:nvPr>
-            <p:ph idx="1"/>
-          </p:nvPr>
-        </p:nvSpPr>
-        <p:spPr/>
-        <p:txBody>
-          <a:bodyPr/>
-          <a:lstStyle/>
-          <a:p>
-            <a:endParaRPr lang="ko-KR" altLang="en-US"/>
+        <p:spPr>
+          <a:xfrm>
+            <a:off x="4130040" y="290312"/>
+            <a:ext cx="3151909" cy="1106228"/>
+          </a:xfrm>
+          <a:solidFill>
+            <a:schemeClr val="bg1"/>
+          </a:solidFill>
+          <a:ln>
+            <a:solidFill>
+              <a:schemeClr val="tx1"/>
+            </a:solidFill>
+          </a:ln>
+        </p:spPr>
+        <p:txBody>
+          <a:bodyPr/>
+          <a:lstStyle/>
+          <a:p>
+            <a:pPr algn="ctr"/>
+            <a:r>
+              <a:rPr lang="ko-KR" altLang="en-US" dirty="0" err="1" smtClean="0"/>
+              <a:t>갓생</a:t>
+            </a:r>
+            <a:r>
+              <a:rPr lang="ko-KR" altLang="en-US" dirty="0" smtClean="0"/>
+              <a:t> 루틴</a:t>
+            </a:r>
+            <a:endParaRPr lang="ko-KR" altLang="en-US" dirty="0"/>
+          </a:p>
+        </p:txBody>
+      </p:sp>
+      <p:sp>
+        <p:nvSpPr>
+          <p:cNvPr id="4" name="TextBox 3"/>
+          <p:cNvSpPr txBox="1"/>
+          <p:nvPr/>
+        </p:nvSpPr>
+        <p:spPr>
+          <a:xfrm>
+            <a:off x="705888" y="1479664"/>
+            <a:ext cx="10632672" cy="1477328"/>
+          </a:xfrm>
+          <a:prstGeom prst="rect">
+            <a:avLst/>
+          </a:prstGeom>
+          <a:noFill/>
+        </p:spPr>
+        <p:txBody>
+          <a:bodyPr wrap="square" rtlCol="0">
+            <a:spAutoFit/>
+          </a:bodyPr>
+          <a:lstStyle/>
+          <a:p>
+            <a:pPr marL="285750" indent="-285750">
+              <a:buFont typeface="Arial" panose="020B0604020202020204" pitchFamily="34" charset="0"/>
+              <a:buChar char="•"/>
+            </a:pPr>
+            <a:r>
+              <a:rPr lang="en-US" altLang="ko-KR" dirty="0" smtClean="0"/>
+              <a:t>6</a:t>
+            </a:r>
+            <a:r>
+              <a:rPr lang="ko-KR" altLang="en-US" dirty="0" smtClean="0"/>
+              <a:t>시 기상</a:t>
+            </a:r>
+            <a:endParaRPr lang="en-US" altLang="ko-KR" dirty="0" smtClean="0"/>
+          </a:p>
+          <a:p>
+            <a:pPr marL="285750" indent="-285750">
+              <a:buFont typeface="Arial" panose="020B0604020202020204" pitchFamily="34" charset="0"/>
+              <a:buChar char="•"/>
+            </a:pPr>
+            <a:r>
+              <a:rPr lang="en-US" altLang="ko-KR" dirty="0" smtClean="0"/>
+              <a:t>7</a:t>
+            </a:r>
+            <a:r>
+              <a:rPr lang="ko-KR" altLang="en-US" dirty="0" smtClean="0"/>
+              <a:t>시까지 아침운동</a:t>
+            </a:r>
+            <a:endParaRPr lang="en-US" altLang="ko-KR" dirty="0" smtClean="0"/>
+          </a:p>
+          <a:p>
+            <a:pPr marL="285750" indent="-285750">
+              <a:buFont typeface="Arial" panose="020B0604020202020204" pitchFamily="34" charset="0"/>
+              <a:buChar char="•"/>
+            </a:pPr>
+            <a:r>
+              <a:rPr lang="en-US" altLang="ko-KR" dirty="0" smtClean="0"/>
+              <a:t>7~7</a:t>
+            </a:r>
+            <a:r>
+              <a:rPr lang="ko-KR" altLang="en-US" dirty="0" smtClean="0"/>
+              <a:t>시</a:t>
+            </a:r>
+            <a:r>
+              <a:rPr lang="en-US" altLang="ko-KR" dirty="0" smtClean="0"/>
+              <a:t>30</a:t>
+            </a:r>
+            <a:r>
+              <a:rPr lang="ko-KR" altLang="en-US" dirty="0" smtClean="0"/>
+              <a:t>분 아침 식사</a:t>
+            </a:r>
+            <a:endParaRPr lang="en-US" altLang="ko-KR" dirty="0" smtClean="0"/>
+          </a:p>
+          <a:p>
+            <a:pPr marL="285750" indent="-285750">
+              <a:buFont typeface="Arial" panose="020B0604020202020204" pitchFamily="34" charset="0"/>
+              <a:buChar char="•"/>
+            </a:pPr>
+            <a:r>
+              <a:rPr lang="en-US" altLang="ko-KR" dirty="0" smtClean="0"/>
+              <a:t>7</a:t>
+            </a:r>
+            <a:r>
+              <a:rPr lang="ko-KR" altLang="en-US" dirty="0" smtClean="0"/>
+              <a:t>시</a:t>
+            </a:r>
+            <a:r>
+              <a:rPr lang="en-US" altLang="ko-KR" dirty="0" smtClean="0"/>
+              <a:t>30</a:t>
+            </a:r>
+            <a:r>
+              <a:rPr lang="ko-KR" altLang="en-US" dirty="0" smtClean="0"/>
+              <a:t>분</a:t>
+            </a:r>
+            <a:r>
+              <a:rPr lang="en-US" altLang="ko-KR" dirty="0" smtClean="0"/>
+              <a:t>~8</a:t>
+            </a:r>
+            <a:r>
+              <a:rPr lang="ko-KR" altLang="en-US" dirty="0" smtClean="0"/>
+              <a:t>시까지 출근 준비</a:t>
+            </a:r>
+            <a:endParaRPr lang="en-US" altLang="ko-KR" dirty="0" smtClean="0"/>
+          </a:p>
+          <a:p>
+            <a:pPr marL="285750" indent="-285750">
+              <a:buFont typeface="Arial" panose="020B0604020202020204" pitchFamily="34" charset="0"/>
+              <a:buChar char="•"/>
+            </a:pPr>
+            <a:r>
+              <a:rPr lang="en-US" altLang="ko-KR" dirty="0" smtClean="0"/>
+              <a:t>8</a:t>
+            </a:r>
+            <a:r>
+              <a:rPr lang="ko-KR" altLang="en-US" dirty="0" smtClean="0"/>
+              <a:t>시</a:t>
+            </a:r>
+            <a:r>
+              <a:rPr lang="en-US" altLang="ko-KR" dirty="0" smtClean="0"/>
+              <a:t>~9</a:t>
+            </a:r>
+            <a:r>
+              <a:rPr lang="ko-KR" altLang="en-US" dirty="0" smtClean="0"/>
+              <a:t>시까지 </a:t>
+            </a:r>
+            <a:endParaRPr lang="ko-KR" altLang="en-US" dirty="0"/>
           </a:p>
         </p:txBody>
       </p:sp>
@@ -4473,6 +4977,231 @@
     <p:bldLst>
       <p:bldP spid="2" grpId="0"/>
     </p:bldLst>
+  </p:timing>
+</p:sld>
+</file>
+
+<file path=ppt/slides/slide20.xml><?xml version="1.0" encoding="utf-8"?>
+<p:sld xmlns:a="http://schemas.openxmlformats.org/drawingml/2006/main" xmlns:r="http://schemas.openxmlformats.org/officeDocument/2006/relationships" xmlns:p="http://schemas.openxmlformats.org/presentationml/2006/main">
+  <p:cSld>
+    <p:spTree>
+      <p:nvGrpSpPr>
+        <p:cNvPr id="1" name=""/>
+        <p:cNvGrpSpPr/>
+        <p:nvPr/>
+      </p:nvGrpSpPr>
+      <p:grpSpPr>
+        <a:xfrm>
+          <a:off x="0" y="0"/>
+          <a:ext cx="0" cy="0"/>
+          <a:chOff x="0" y="0"/>
+          <a:chExt cx="0" cy="0"/>
+        </a:xfrm>
+      </p:grpSpPr>
+      <p:sp>
+        <p:nvSpPr>
+          <p:cNvPr id="2" name="제목 1"/>
+          <p:cNvSpPr>
+            <a:spLocks noGrp="1"/>
+          </p:cNvSpPr>
+          <p:nvPr>
+            <p:ph type="title"/>
+          </p:nvPr>
+        </p:nvSpPr>
+        <p:spPr/>
+        <p:txBody>
+          <a:bodyPr/>
+          <a:lstStyle/>
+          <a:p>
+            <a:endParaRPr lang="ko-KR" altLang="en-US"/>
+          </a:p>
+        </p:txBody>
+      </p:sp>
+      <p:sp>
+        <p:nvSpPr>
+          <p:cNvPr id="3" name="내용 개체 틀 2"/>
+          <p:cNvSpPr>
+            <a:spLocks noGrp="1"/>
+          </p:cNvSpPr>
+          <p:nvPr>
+            <p:ph idx="1"/>
+          </p:nvPr>
+        </p:nvSpPr>
+        <p:spPr/>
+        <p:txBody>
+          <a:bodyPr/>
+          <a:lstStyle/>
+          <a:p>
+            <a:endParaRPr lang="ko-KR" altLang="en-US"/>
+          </a:p>
+        </p:txBody>
+      </p:sp>
+    </p:spTree>
+    <p:extLst>
+      <p:ext uri="{BB962C8B-B14F-4D97-AF65-F5344CB8AC3E}">
+        <p14:creationId xmlns:p14="http://schemas.microsoft.com/office/powerpoint/2010/main" val="1331323083"/>
+      </p:ext>
+    </p:extLst>
+  </p:cSld>
+  <p:clrMapOvr>
+    <a:masterClrMapping/>
+  </p:clrMapOvr>
+  <p:timing>
+    <p:tnLst>
+      <p:par>
+        <p:cTn id="1" dur="indefinite" restart="never" nodeType="tmRoot"/>
+      </p:par>
+    </p:tnLst>
+  </p:timing>
+</p:sld>
+</file>
+
+<file path=ppt/slides/slide21.xml><?xml version="1.0" encoding="utf-8"?>
+<p:sld xmlns:a="http://schemas.openxmlformats.org/drawingml/2006/main" xmlns:r="http://schemas.openxmlformats.org/officeDocument/2006/relationships" xmlns:p="http://schemas.openxmlformats.org/presentationml/2006/main">
+  <p:cSld>
+    <p:spTree>
+      <p:nvGrpSpPr>
+        <p:cNvPr id="1" name=""/>
+        <p:cNvGrpSpPr/>
+        <p:nvPr/>
+      </p:nvGrpSpPr>
+      <p:grpSpPr>
+        <a:xfrm>
+          <a:off x="0" y="0"/>
+          <a:ext cx="0" cy="0"/>
+          <a:chOff x="0" y="0"/>
+          <a:chExt cx="0" cy="0"/>
+        </a:xfrm>
+      </p:grpSpPr>
+      <p:sp>
+        <p:nvSpPr>
+          <p:cNvPr id="2" name="제목 1"/>
+          <p:cNvSpPr>
+            <a:spLocks noGrp="1"/>
+          </p:cNvSpPr>
+          <p:nvPr>
+            <p:ph type="title"/>
+          </p:nvPr>
+        </p:nvSpPr>
+        <p:spPr/>
+        <p:txBody>
+          <a:bodyPr/>
+          <a:lstStyle/>
+          <a:p>
+            <a:endParaRPr lang="ko-KR" altLang="en-US"/>
+          </a:p>
+        </p:txBody>
+      </p:sp>
+      <p:sp>
+        <p:nvSpPr>
+          <p:cNvPr id="3" name="내용 개체 틀 2"/>
+          <p:cNvSpPr>
+            <a:spLocks noGrp="1"/>
+          </p:cNvSpPr>
+          <p:nvPr>
+            <p:ph idx="1"/>
+          </p:nvPr>
+        </p:nvSpPr>
+        <p:spPr/>
+        <p:txBody>
+          <a:bodyPr/>
+          <a:lstStyle/>
+          <a:p>
+            <a:endParaRPr lang="ko-KR" altLang="en-US"/>
+          </a:p>
+        </p:txBody>
+      </p:sp>
+    </p:spTree>
+    <p:extLst>
+      <p:ext uri="{BB962C8B-B14F-4D97-AF65-F5344CB8AC3E}">
+        <p14:creationId xmlns:p14="http://schemas.microsoft.com/office/powerpoint/2010/main" val="2468875382"/>
+      </p:ext>
+    </p:extLst>
+  </p:cSld>
+  <p:clrMapOvr>
+    <a:masterClrMapping/>
+  </p:clrMapOvr>
+  <p:timing>
+    <p:tnLst>
+      <p:par>
+        <p:cTn id="1" dur="indefinite" restart="never" nodeType="tmRoot"/>
+      </p:par>
+    </p:tnLst>
+  </p:timing>
+</p:sld>
+</file>
+
+<file path=ppt/slides/slide22.xml><?xml version="1.0" encoding="utf-8"?>
+<p:sld xmlns:a="http://schemas.openxmlformats.org/drawingml/2006/main" xmlns:r="http://schemas.openxmlformats.org/officeDocument/2006/relationships" xmlns:p="http://schemas.openxmlformats.org/presentationml/2006/main">
+  <p:cSld>
+    <p:spTree>
+      <p:nvGrpSpPr>
+        <p:cNvPr id="1" name=""/>
+        <p:cNvGrpSpPr/>
+        <p:nvPr/>
+      </p:nvGrpSpPr>
+      <p:grpSpPr>
+        <a:xfrm>
+          <a:off x="0" y="0"/>
+          <a:ext cx="0" cy="0"/>
+          <a:chOff x="0" y="0"/>
+          <a:chExt cx="0" cy="0"/>
+        </a:xfrm>
+      </p:grpSpPr>
+      <p:sp>
+        <p:nvSpPr>
+          <p:cNvPr id="2" name="제목 1"/>
+          <p:cNvSpPr>
+            <a:spLocks noGrp="1"/>
+          </p:cNvSpPr>
+          <p:nvPr>
+            <p:ph type="title"/>
+          </p:nvPr>
+        </p:nvSpPr>
+        <p:spPr/>
+        <p:txBody>
+          <a:bodyPr/>
+          <a:lstStyle/>
+          <a:p>
+            <a:endParaRPr lang="ko-KR" altLang="en-US"/>
+          </a:p>
+        </p:txBody>
+      </p:sp>
+      <p:sp>
+        <p:nvSpPr>
+          <p:cNvPr id="3" name="내용 개체 틀 2"/>
+          <p:cNvSpPr>
+            <a:spLocks noGrp="1"/>
+          </p:cNvSpPr>
+          <p:nvPr>
+            <p:ph idx="1"/>
+          </p:nvPr>
+        </p:nvSpPr>
+        <p:spPr/>
+        <p:txBody>
+          <a:bodyPr/>
+          <a:lstStyle/>
+          <a:p>
+            <a:endParaRPr lang="ko-KR" altLang="en-US"/>
+          </a:p>
+        </p:txBody>
+      </p:sp>
+    </p:spTree>
+    <p:extLst>
+      <p:ext uri="{BB962C8B-B14F-4D97-AF65-F5344CB8AC3E}">
+        <p14:creationId xmlns:p14="http://schemas.microsoft.com/office/powerpoint/2010/main" val="956114330"/>
+      </p:ext>
+    </p:extLst>
+  </p:cSld>
+  <p:clrMapOvr>
+    <a:masterClrMapping/>
+  </p:clrMapOvr>
+  <p:timing>
+    <p:tnLst>
+      <p:par>
+        <p:cTn id="1" dur="indefinite" restart="never" nodeType="tmRoot"/>
+      </p:par>
+    </p:tnLst>
   </p:timing>
 </p:sld>
 </file>

--- a/박기수의 자기소개 프레젠테이션.pptx
+++ b/박기수의 자기소개 프레젠테이션.pptx
@@ -4480,6 +4480,28 @@
 <file path=ppt/slides/slide18.xml><?xml version="1.0" encoding="utf-8"?>
 <p:sld xmlns:a="http://schemas.openxmlformats.org/drawingml/2006/main" xmlns:r="http://schemas.openxmlformats.org/officeDocument/2006/relationships" xmlns:p="http://schemas.openxmlformats.org/presentationml/2006/main">
   <p:cSld>
+    <p:bg>
+      <p:bgPr>
+        <a:gradFill>
+          <a:gsLst>
+            <a:gs pos="0">
+              <a:schemeClr val="accent1">
+                <a:lumMod val="45000"/>
+                <a:lumOff val="55000"/>
+              </a:schemeClr>
+            </a:gs>
+            <a:gs pos="100000">
+              <a:schemeClr val="accent2">
+                <a:lumMod val="60000"/>
+                <a:lumOff val="40000"/>
+              </a:schemeClr>
+            </a:gs>
+          </a:gsLst>
+          <a:lin ang="5400000" scaled="1"/>
+        </a:gradFill>
+        <a:effectLst/>
+      </p:bgPr>
+    </p:bg>
     <p:spTree>
       <p:nvGrpSpPr>
         <p:cNvPr id="1" name=""/>
@@ -4543,13 +4565,20 @@
         </p:nvSpPr>
         <p:spPr>
           <a:xfrm>
-            <a:off x="705888" y="1479664"/>
-            <a:ext cx="10632672" cy="1477328"/>
+            <a:off x="4637461" y="1562792"/>
+            <a:ext cx="2137065" cy="369332"/>
           </a:xfrm>
           <a:prstGeom prst="rect">
             <a:avLst/>
           </a:prstGeom>
-          <a:noFill/>
+          <a:solidFill>
+            <a:schemeClr val="bg1"/>
+          </a:solidFill>
+          <a:ln>
+            <a:solidFill>
+              <a:schemeClr val="tx1"/>
+            </a:solidFill>
+          </a:ln>
         </p:spPr>
         <p:txBody>
           <a:bodyPr wrap="square" rtlCol="0">
@@ -4557,114 +4586,289 @@
           </a:bodyPr>
           <a:lstStyle/>
           <a:p>
-            <a:pPr marL="285750" indent="-285750">
-              <a:buFont typeface="Arial" panose="020B0604020202020204" pitchFamily="34" charset="0"/>
-              <a:buChar char="•"/>
-            </a:pPr>
+            <a:pPr algn="ctr"/>
             <a:r>
               <a:rPr lang="en-US" altLang="ko-KR" dirty="0" smtClean="0"/>
-              <a:t>6</a:t>
+              <a:t>1. </a:t>
             </a:r>
             <a:r>
               <a:rPr lang="ko-KR" altLang="en-US" dirty="0" smtClean="0"/>
-              <a:t>시 기상</a:t>
+              <a:t>바른 수면 패턴</a:t>
+            </a:r>
+            <a:r>
+              <a:rPr lang="en-US" altLang="ko-KR" dirty="0" smtClean="0"/>
+              <a:t> </a:t>
             </a:r>
             <a:endParaRPr lang="en-US" altLang="ko-KR" dirty="0" smtClean="0"/>
           </a:p>
-          <a:p>
-            <a:pPr marL="285750" indent="-285750">
-              <a:buFont typeface="Arial" panose="020B0604020202020204" pitchFamily="34" charset="0"/>
-              <a:buChar char="•"/>
-            </a:pPr>
+        </p:txBody>
+      </p:sp>
+      <p:sp>
+        <p:nvSpPr>
+          <p:cNvPr id="5" name="TextBox 4"/>
+          <p:cNvSpPr txBox="1"/>
+          <p:nvPr/>
+        </p:nvSpPr>
+        <p:spPr>
+          <a:xfrm>
+            <a:off x="4637460" y="2288062"/>
+            <a:ext cx="2137065" cy="369332"/>
+          </a:xfrm>
+          <a:prstGeom prst="rect">
+            <a:avLst/>
+          </a:prstGeom>
+          <a:solidFill>
+            <a:schemeClr val="bg1"/>
+          </a:solidFill>
+          <a:ln>
+            <a:solidFill>
+              <a:schemeClr val="tx1"/>
+            </a:solidFill>
+          </a:ln>
+        </p:spPr>
+        <p:txBody>
+          <a:bodyPr wrap="square" rtlCol="0">
+            <a:spAutoFit/>
+          </a:bodyPr>
+          <a:lstStyle/>
+          <a:p>
+            <a:pPr algn="ctr"/>
             <a:r>
               <a:rPr lang="en-US" altLang="ko-KR" dirty="0" smtClean="0"/>
-              <a:t>7</a:t>
+              <a:t>2. </a:t>
             </a:r>
             <a:r>
               <a:rPr lang="ko-KR" altLang="en-US" dirty="0" smtClean="0"/>
-              <a:t>시까지 아침운동</a:t>
+              <a:t>적당한 운동</a:t>
+            </a:r>
+            <a:r>
+              <a:rPr lang="en-US" altLang="ko-KR" dirty="0" smtClean="0"/>
+              <a:t> </a:t>
             </a:r>
             <a:endParaRPr lang="en-US" altLang="ko-KR" dirty="0" smtClean="0"/>
           </a:p>
-          <a:p>
-            <a:pPr marL="285750" indent="-285750">
-              <a:buFont typeface="Arial" panose="020B0604020202020204" pitchFamily="34" charset="0"/>
-              <a:buChar char="•"/>
-            </a:pPr>
+        </p:txBody>
+      </p:sp>
+      <p:sp>
+        <p:nvSpPr>
+          <p:cNvPr id="6" name="TextBox 5"/>
+          <p:cNvSpPr txBox="1"/>
+          <p:nvPr/>
+        </p:nvSpPr>
+        <p:spPr>
+          <a:xfrm>
+            <a:off x="4296463" y="3018352"/>
+            <a:ext cx="2819056" cy="369332"/>
+          </a:xfrm>
+          <a:prstGeom prst="rect">
+            <a:avLst/>
+          </a:prstGeom>
+          <a:solidFill>
+            <a:schemeClr val="bg1"/>
+          </a:solidFill>
+          <a:ln>
+            <a:solidFill>
+              <a:schemeClr val="tx1"/>
+            </a:solidFill>
+          </a:ln>
+        </p:spPr>
+        <p:txBody>
+          <a:bodyPr wrap="square" rtlCol="0">
+            <a:spAutoFit/>
+          </a:bodyPr>
+          <a:lstStyle/>
+          <a:p>
+            <a:pPr algn="ctr"/>
             <a:r>
               <a:rPr lang="en-US" altLang="ko-KR" dirty="0" smtClean="0"/>
-              <a:t>7~7</a:t>
+              <a:t>3. </a:t>
             </a:r>
             <a:r>
               <a:rPr lang="ko-KR" altLang="en-US" dirty="0" smtClean="0"/>
-              <a:t>시</a:t>
+              <a:t>매일 발전하는 자신</a:t>
             </a:r>
             <a:r>
               <a:rPr lang="en-US" altLang="ko-KR" dirty="0" smtClean="0"/>
-              <a:t>30</a:t>
+              <a:t> </a:t>
+            </a:r>
+            <a:endParaRPr lang="en-US" altLang="ko-KR" dirty="0" smtClean="0"/>
+          </a:p>
+        </p:txBody>
+      </p:sp>
+      <p:sp>
+        <p:nvSpPr>
+          <p:cNvPr id="7" name="TextBox 6"/>
+          <p:cNvSpPr txBox="1"/>
+          <p:nvPr/>
+        </p:nvSpPr>
+        <p:spPr>
+          <a:xfrm>
+            <a:off x="4084488" y="3788080"/>
+            <a:ext cx="3243006" cy="369332"/>
+          </a:xfrm>
+          <a:prstGeom prst="rect">
+            <a:avLst/>
+          </a:prstGeom>
+          <a:solidFill>
+            <a:schemeClr val="bg1"/>
+          </a:solidFill>
+          <a:ln>
+            <a:solidFill>
+              <a:schemeClr val="tx1"/>
+            </a:solidFill>
+          </a:ln>
+        </p:spPr>
+        <p:txBody>
+          <a:bodyPr wrap="square" rtlCol="0">
+            <a:spAutoFit/>
+          </a:bodyPr>
+          <a:lstStyle/>
+          <a:p>
+            <a:pPr algn="ctr"/>
+            <a:r>
+              <a:rPr lang="en-US" altLang="ko-KR" dirty="0" smtClean="0"/>
+              <a:t>4.  </a:t>
             </a:r>
             <a:r>
               <a:rPr lang="ko-KR" altLang="en-US" dirty="0" smtClean="0"/>
-              <a:t>분 아침 식사</a:t>
+              <a:t>미래를 위한 계획 세우기</a:t>
             </a:r>
             <a:endParaRPr lang="en-US" altLang="ko-KR" dirty="0" smtClean="0"/>
           </a:p>
-          <a:p>
-            <a:pPr marL="285750" indent="-285750">
-              <a:buFont typeface="Arial" panose="020B0604020202020204" pitchFamily="34" charset="0"/>
-              <a:buChar char="•"/>
-            </a:pPr>
+        </p:txBody>
+      </p:sp>
+      <p:sp>
+        <p:nvSpPr>
+          <p:cNvPr id="8" name="TextBox 7"/>
+          <p:cNvSpPr txBox="1"/>
+          <p:nvPr/>
+        </p:nvSpPr>
+        <p:spPr>
+          <a:xfrm>
+            <a:off x="4038943" y="4557808"/>
+            <a:ext cx="3243006" cy="369332"/>
+          </a:xfrm>
+          <a:prstGeom prst="rect">
+            <a:avLst/>
+          </a:prstGeom>
+          <a:solidFill>
+            <a:schemeClr val="bg1"/>
+          </a:solidFill>
+          <a:ln>
+            <a:solidFill>
+              <a:schemeClr val="tx1"/>
+            </a:solidFill>
+          </a:ln>
+        </p:spPr>
+        <p:txBody>
+          <a:bodyPr wrap="square" rtlCol="0">
+            <a:spAutoFit/>
+          </a:bodyPr>
+          <a:lstStyle/>
+          <a:p>
+            <a:pPr algn="ctr"/>
             <a:r>
               <a:rPr lang="en-US" altLang="ko-KR" dirty="0" smtClean="0"/>
-              <a:t>7</a:t>
+              <a:t>5. </a:t>
             </a:r>
             <a:r>
               <a:rPr lang="ko-KR" altLang="en-US" dirty="0" smtClean="0"/>
-              <a:t>시</a:t>
-            </a:r>
-            <a:r>
-              <a:rPr lang="en-US" altLang="ko-KR" dirty="0" smtClean="0"/>
-              <a:t>30</a:t>
-            </a:r>
-            <a:r>
-              <a:rPr lang="ko-KR" altLang="en-US" dirty="0" smtClean="0"/>
-              <a:t>분</a:t>
-            </a:r>
-            <a:r>
-              <a:rPr lang="en-US" altLang="ko-KR" dirty="0" smtClean="0"/>
-              <a:t>~8</a:t>
-            </a:r>
-            <a:r>
-              <a:rPr lang="ko-KR" altLang="en-US" dirty="0" smtClean="0"/>
-              <a:t>시까지 출근 준비</a:t>
+              <a:t>건강한 식습관</a:t>
             </a:r>
             <a:endParaRPr lang="en-US" altLang="ko-KR" dirty="0" smtClean="0"/>
           </a:p>
-          <a:p>
-            <a:pPr marL="285750" indent="-285750">
-              <a:buFont typeface="Arial" panose="020B0604020202020204" pitchFamily="34" charset="0"/>
-              <a:buChar char="•"/>
-            </a:pPr>
-            <a:r>
-              <a:rPr lang="en-US" altLang="ko-KR" dirty="0" smtClean="0"/>
-              <a:t>8</a:t>
-            </a:r>
-            <a:r>
-              <a:rPr lang="ko-KR" altLang="en-US" dirty="0" smtClean="0"/>
-              <a:t>시</a:t>
-            </a:r>
-            <a:r>
-              <a:rPr lang="en-US" altLang="ko-KR" dirty="0" smtClean="0"/>
-              <a:t>~9</a:t>
-            </a:r>
-            <a:r>
-              <a:rPr lang="ko-KR" altLang="en-US" dirty="0" smtClean="0"/>
-              <a:t>시까지 </a:t>
-            </a:r>
-            <a:endParaRPr lang="ko-KR" altLang="en-US" dirty="0"/>
-          </a:p>
-        </p:txBody>
-      </p:sp>
+        </p:txBody>
+      </p:sp>
+      <p:pic>
+        <p:nvPicPr>
+          <p:cNvPr id="9" name="그림 8"/>
+          <p:cNvPicPr>
+            <a:picLocks noChangeAspect="1"/>
+          </p:cNvPicPr>
+          <p:nvPr/>
+        </p:nvPicPr>
+        <p:blipFill>
+          <a:blip r:embed="rId2" cstate="print">
+            <a:extLst>
+              <a:ext uri="{28A0092B-C50C-407E-A947-70E740481C1C}">
+                <a14:useLocalDpi xmlns:a14="http://schemas.microsoft.com/office/drawing/2010/main" val="0"/>
+              </a:ext>
+            </a:extLst>
+          </a:blip>
+          <a:stretch>
+            <a:fillRect/>
+          </a:stretch>
+        </p:blipFill>
+        <p:spPr>
+          <a:xfrm>
+            <a:off x="7572548" y="972988"/>
+            <a:ext cx="3484812" cy="4646415"/>
+          </a:xfrm>
+          <a:prstGeom prst="rect">
+            <a:avLst/>
+          </a:prstGeom>
+        </p:spPr>
+      </p:pic>
+      <p:pic>
+        <p:nvPicPr>
+          <p:cNvPr id="10" name="그림 9"/>
+          <p:cNvPicPr>
+            <a:picLocks noChangeAspect="1"/>
+          </p:cNvPicPr>
+          <p:nvPr/>
+        </p:nvPicPr>
+        <p:blipFill>
+          <a:blip r:embed="rId3" cstate="print">
+            <a:extLst>
+              <a:ext uri="{28A0092B-C50C-407E-A947-70E740481C1C}">
+                <a14:useLocalDpi xmlns:a14="http://schemas.microsoft.com/office/drawing/2010/main" val="0"/>
+              </a:ext>
+            </a:extLst>
+          </a:blip>
+          <a:stretch>
+            <a:fillRect/>
+          </a:stretch>
+        </p:blipFill>
+        <p:spPr>
+          <a:xfrm>
+            <a:off x="1343153" y="293203"/>
+            <a:ext cx="2043862" cy="2725149"/>
+          </a:xfrm>
+          <a:prstGeom prst="rect">
+            <a:avLst/>
+          </a:prstGeom>
+        </p:spPr>
+      </p:pic>
+      <p:pic>
+        <p:nvPicPr>
+          <p:cNvPr id="11" name="그림 10"/>
+          <p:cNvPicPr>
+            <a:picLocks noChangeAspect="1"/>
+          </p:cNvPicPr>
+          <p:nvPr/>
+        </p:nvPicPr>
+        <p:blipFill>
+          <a:blip r:embed="rId4">
+            <a:extLst>
+              <a:ext uri="{28A0092B-C50C-407E-A947-70E740481C1C}">
+                <a14:useLocalDpi xmlns:a14="http://schemas.microsoft.com/office/drawing/2010/main" val="0"/>
+              </a:ext>
+            </a:extLst>
+          </a:blip>
+          <a:stretch>
+            <a:fillRect/>
+          </a:stretch>
+        </p:blipFill>
+        <p:spPr>
+          <a:xfrm>
+            <a:off x="280513" y="3215019"/>
+            <a:ext cx="3467831" cy="3263841"/>
+          </a:xfrm>
+          <a:prstGeom prst="rect">
+            <a:avLst/>
+          </a:prstGeom>
+        </p:spPr>
+      </p:pic>
     </p:spTree>
     <p:extLst>
       <p:ext uri="{BB962C8B-B14F-4D97-AF65-F5344CB8AC3E}">
@@ -4688,6 +4892,14 @@
 <file path=ppt/slides/slide19.xml><?xml version="1.0" encoding="utf-8"?>
 <p:sld xmlns:a="http://schemas.openxmlformats.org/drawingml/2006/main" xmlns:r="http://schemas.openxmlformats.org/officeDocument/2006/relationships" xmlns:p="http://schemas.openxmlformats.org/presentationml/2006/main">
   <p:cSld>
+    <p:bg>
+      <p:bgPr>
+        <a:solidFill>
+          <a:schemeClr val="tx1"/>
+        </a:solidFill>
+        <a:effectLst/>
+      </p:bgPr>
+    </p:bg>
     <p:spTree>
       <p:nvGrpSpPr>
         <p:cNvPr id="1" name=""/>
@@ -4712,31 +4924,32 @@
             <p:ph type="title"/>
           </p:nvPr>
         </p:nvSpPr>
-        <p:spPr/>
-        <p:txBody>
-          <a:bodyPr/>
-          <a:lstStyle/>
-          <a:p>
-            <a:endParaRPr lang="ko-KR" altLang="en-US"/>
-          </a:p>
-        </p:txBody>
-      </p:sp>
-      <p:sp>
-        <p:nvSpPr>
-          <p:cNvPr id="3" name="내용 개체 틀 2"/>
-          <p:cNvSpPr>
-            <a:spLocks noGrp="1"/>
-          </p:cNvSpPr>
-          <p:nvPr>
-            <p:ph idx="1"/>
-          </p:nvPr>
-        </p:nvSpPr>
-        <p:spPr/>
-        <p:txBody>
-          <a:bodyPr/>
-          <a:lstStyle/>
-          <a:p>
-            <a:endParaRPr lang="ko-KR" altLang="en-US"/>
+        <p:spPr>
+          <a:xfrm>
+            <a:off x="3712029" y="2427190"/>
+            <a:ext cx="4853473" cy="1463675"/>
+          </a:xfrm>
+        </p:spPr>
+        <p:txBody>
+          <a:bodyPr>
+            <a:normAutofit/>
+          </a:bodyPr>
+          <a:lstStyle/>
+          <a:p>
+            <a:pPr algn="ctr"/>
+            <a:r>
+              <a:rPr lang="ko-KR" altLang="en-US" sz="5000" b="1" dirty="0" smtClean="0">
+                <a:solidFill>
+                  <a:schemeClr val="bg1"/>
+                </a:solidFill>
+              </a:rPr>
+              <a:t>감사합니다</a:t>
+            </a:r>
+            <a:endParaRPr lang="ko-KR" altLang="en-US" sz="5000" b="1" dirty="0">
+              <a:solidFill>
+                <a:schemeClr val="bg1"/>
+              </a:solidFill>
+            </a:endParaRPr>
           </a:p>
         </p:txBody>
       </p:sp>
@@ -4998,44 +5211,36 @@
           <a:chExt cx="0" cy="0"/>
         </a:xfrm>
       </p:grpSpPr>
-      <p:sp>
-        <p:nvSpPr>
-          <p:cNvPr id="2" name="제목 1"/>
-          <p:cNvSpPr>
-            <a:spLocks noGrp="1"/>
-          </p:cNvSpPr>
-          <p:nvPr>
-            <p:ph type="title"/>
-          </p:nvPr>
-        </p:nvSpPr>
-        <p:spPr/>
-        <p:txBody>
-          <a:bodyPr/>
-          <a:lstStyle/>
-          <a:p>
-            <a:endParaRPr lang="ko-KR" altLang="en-US"/>
-          </a:p>
-        </p:txBody>
-      </p:sp>
-      <p:sp>
-        <p:nvSpPr>
-          <p:cNvPr id="3" name="내용 개체 틀 2"/>
-          <p:cNvSpPr>
-            <a:spLocks noGrp="1"/>
-          </p:cNvSpPr>
-          <p:nvPr>
-            <p:ph idx="1"/>
-          </p:nvPr>
-        </p:nvSpPr>
-        <p:spPr/>
-        <p:txBody>
-          <a:bodyPr/>
-          <a:lstStyle/>
-          <a:p>
-            <a:endParaRPr lang="ko-KR" altLang="en-US"/>
-          </a:p>
-        </p:txBody>
-      </p:sp>
+      <p:pic>
+        <p:nvPicPr>
+          <p:cNvPr id="4" name="그림 3"/>
+          <p:cNvPicPr>
+            <a:picLocks noChangeAspect="1"/>
+          </p:cNvPicPr>
+          <p:nvPr/>
+        </p:nvPicPr>
+        <p:blipFill>
+          <a:blip r:embed="rId2">
+            <a:extLst>
+              <a:ext uri="{28A0092B-C50C-407E-A947-70E740481C1C}">
+                <a14:useLocalDpi xmlns:a14="http://schemas.microsoft.com/office/drawing/2010/main" val="0"/>
+              </a:ext>
+            </a:extLst>
+          </a:blip>
+          <a:stretch>
+            <a:fillRect/>
+          </a:stretch>
+        </p:blipFill>
+        <p:spPr>
+          <a:xfrm>
+            <a:off x="1894115" y="0"/>
+            <a:ext cx="9144000" cy="6858000"/>
+          </a:xfrm>
+          <a:prstGeom prst="rect">
+            <a:avLst/>
+          </a:prstGeom>
+        </p:spPr>
+      </p:pic>
     </p:spTree>
     <p:extLst>
       <p:ext uri="{BB962C8B-B14F-4D97-AF65-F5344CB8AC3E}">
